--- a/ExternalFig/Redondance.pptx
+++ b/ExternalFig/Redondance.pptx
@@ -208,7 +208,7 @@
           <a:p>
             <a:fld id="{88EBA7CA-20BD-4061-AC3A-28B8D811EE60}" type="datetimeFigureOut">
               <a:rPr lang="en-US" smtClean="0"/>
-              <a:t>6/26/2018</a:t>
+              <a:t>10/20/2018</a:t>
             </a:fld>
             <a:endParaRPr lang="en-US"/>
           </a:p>
@@ -857,7 +857,7 @@
           <a:p>
             <a:fld id="{D8B804F8-A8DF-44BA-8C13-CCD935C20FB1}" type="datetimeFigureOut">
               <a:rPr lang="en-US" smtClean="0"/>
-              <a:t>6/26/2018</a:t>
+              <a:t>10/20/2018</a:t>
             </a:fld>
             <a:endParaRPr lang="en-US"/>
           </a:p>
@@ -1022,7 +1022,7 @@
           <a:p>
             <a:fld id="{D8B804F8-A8DF-44BA-8C13-CCD935C20FB1}" type="datetimeFigureOut">
               <a:rPr lang="en-US" smtClean="0"/>
-              <a:t>6/26/2018</a:t>
+              <a:t>10/20/2018</a:t>
             </a:fld>
             <a:endParaRPr lang="en-US"/>
           </a:p>
@@ -1197,7 +1197,7 @@
           <a:p>
             <a:fld id="{D8B804F8-A8DF-44BA-8C13-CCD935C20FB1}" type="datetimeFigureOut">
               <a:rPr lang="en-US" smtClean="0"/>
-              <a:t>6/26/2018</a:t>
+              <a:t>10/20/2018</a:t>
             </a:fld>
             <a:endParaRPr lang="en-US"/>
           </a:p>
@@ -1380,7 +1380,7 @@
           <a:p>
             <a:fld id="{D8B804F8-A8DF-44BA-8C13-CCD935C20FB1}" type="datetimeFigureOut">
               <a:rPr lang="en-US" smtClean="0"/>
-              <a:t>6/26/2018</a:t>
+              <a:t>10/20/2018</a:t>
             </a:fld>
             <a:endParaRPr lang="en-US"/>
           </a:p>
@@ -1642,7 +1642,7 @@
           <a:p>
             <a:fld id="{D8B804F8-A8DF-44BA-8C13-CCD935C20FB1}" type="datetimeFigureOut">
               <a:rPr lang="en-US" smtClean="0"/>
-              <a:t>6/26/2018</a:t>
+              <a:t>10/20/2018</a:t>
             </a:fld>
             <a:endParaRPr lang="en-US"/>
           </a:p>
@@ -1990,7 +1990,7 @@
           <a:p>
             <a:fld id="{D8B804F8-A8DF-44BA-8C13-CCD935C20FB1}" type="datetimeFigureOut">
               <a:rPr lang="en-US" smtClean="0"/>
-              <a:t>6/26/2018</a:t>
+              <a:t>10/20/2018</a:t>
             </a:fld>
             <a:endParaRPr lang="en-US"/>
           </a:p>
@@ -2298,7 +2298,7 @@
           <a:p>
             <a:fld id="{D8B804F8-A8DF-44BA-8C13-CCD935C20FB1}" type="datetimeFigureOut">
               <a:rPr lang="en-US" smtClean="0"/>
-              <a:t>6/26/2018</a:t>
+              <a:t>10/20/2018</a:t>
             </a:fld>
             <a:endParaRPr lang="en-US"/>
           </a:p>
@@ -2525,7 +2525,7 @@
           <a:p>
             <a:fld id="{D8B804F8-A8DF-44BA-8C13-CCD935C20FB1}" type="datetimeFigureOut">
               <a:rPr lang="en-US" smtClean="0"/>
-              <a:t>6/26/2018</a:t>
+              <a:t>10/20/2018</a:t>
             </a:fld>
             <a:endParaRPr lang="en-US"/>
           </a:p>
@@ -2615,7 +2615,7 @@
           <a:p>
             <a:fld id="{D8B804F8-A8DF-44BA-8C13-CCD935C20FB1}" type="datetimeFigureOut">
               <a:rPr lang="en-US" smtClean="0"/>
-              <a:t>6/26/2018</a:t>
+              <a:t>10/20/2018</a:t>
             </a:fld>
             <a:endParaRPr lang="en-US"/>
           </a:p>
@@ -2903,7 +2903,7 @@
           <a:p>
             <a:fld id="{D8B804F8-A8DF-44BA-8C13-CCD935C20FB1}" type="datetimeFigureOut">
               <a:rPr lang="en-US" smtClean="0"/>
-              <a:t>6/26/2018</a:t>
+              <a:t>10/20/2018</a:t>
             </a:fld>
             <a:endParaRPr lang="en-US"/>
           </a:p>
@@ -3172,7 +3172,7 @@
           <a:p>
             <a:fld id="{D8B804F8-A8DF-44BA-8C13-CCD935C20FB1}" type="datetimeFigureOut">
               <a:rPr lang="en-US" smtClean="0"/>
-              <a:t>6/26/2018</a:t>
+              <a:t>10/20/2018</a:t>
             </a:fld>
             <a:endParaRPr lang="en-US"/>
           </a:p>
@@ -3391,7 +3391,7 @@
           <a:p>
             <a:fld id="{D8B804F8-A8DF-44BA-8C13-CCD935C20FB1}" type="datetimeFigureOut">
               <a:rPr lang="en-US" smtClean="0"/>
-              <a:t>6/26/2018</a:t>
+              <a:t>10/20/2018</a:t>
             </a:fld>
             <a:endParaRPr lang="en-US"/>
           </a:p>
@@ -4275,21 +4275,7 @@
                         <a:latin typeface="Cambria Math" panose="02040503050406030204" pitchFamily="18" charset="0"/>
                         <a:ea typeface="Cambria Math" panose="02040503050406030204" pitchFamily="18" charset="0"/>
                       </a:rPr>
-                      <a:t>…</a:t>
-                    </a:r>
-                    <a:r>
-                      <a:rPr lang="fr-FR" sz="900" dirty="0">
-                        <a:latin typeface="Cambria Math" panose="02040503050406030204" pitchFamily="18" charset="0"/>
-                        <a:ea typeface="Cambria Math" panose="02040503050406030204" pitchFamily="18" charset="0"/>
-                      </a:rPr>
-                      <a:t> </a:t>
-                    </a:r>
-                    <a:r>
-                      <a:rPr lang="fr-FR" sz="900" dirty="0">
-                        <a:latin typeface="Cambria Math" panose="02040503050406030204" pitchFamily="18" charset="0"/>
-                        <a:ea typeface="Cambria Math" panose="02040503050406030204" pitchFamily="18" charset="0"/>
-                      </a:rPr>
-                      <a:t>                       …</a:t>
+                      <a:t>…                        …</a:t>
                     </a:r>
                   </a:p>
                   <a:p>
@@ -4309,10 +4295,6 @@
                       </a:rPr>
                       <a:t>…                        …</a:t>
                     </a:r>
-                    <a:endParaRPr lang="fr-FR" sz="900" dirty="0">
-                      <a:latin typeface="Cambria Math" panose="02040503050406030204" pitchFamily="18" charset="0"/>
-                      <a:ea typeface="Cambria Math" panose="02040503050406030204" pitchFamily="18" charset="0"/>
-                    </a:endParaRPr>
                   </a:p>
                   <a:p>
                     <a:r>
@@ -4456,17 +4438,8 @@
                       <a:rPr lang="fr-FR" sz="1050" dirty="0">
                         <a:latin typeface="Cambria" panose="02040503050406030204" pitchFamily="18" charset="0"/>
                       </a:rPr>
-                      <a:t>E</a:t>
+                      <a:t>Espèces</a:t>
                     </a:r>
-                    <a:r>
-                      <a:rPr lang="fr-FR" sz="1050" dirty="0">
-                        <a:latin typeface="Cambria" panose="02040503050406030204" pitchFamily="18" charset="0"/>
-                      </a:rPr>
-                      <a:t>spèces</a:t>
-                    </a:r>
-                    <a:endParaRPr lang="fr-FR" sz="1050" dirty="0">
-                      <a:latin typeface="Cambria" panose="02040503050406030204" pitchFamily="18" charset="0"/>
-                    </a:endParaRPr>
                   </a:p>
                 </p:txBody>
               </p:sp>
@@ -4550,9 +4523,6 @@
                       </a:rPr>
                       <a:t>Traits</a:t>
                     </a:r>
-                    <a:endParaRPr lang="fr-FR" sz="1050" dirty="0">
-                      <a:latin typeface="Cambria" panose="02040503050406030204" pitchFamily="18" charset="0"/>
-                    </a:endParaRPr>
                   </a:p>
                 </p:txBody>
               </p:sp>
@@ -4587,9 +4557,6 @@
                   </a:rPr>
                   <a:t>Matrice Espèces x Traits</a:t>
                 </a:r>
-                <a:endParaRPr lang="fr-FR" sz="1200" b="1" dirty="0">
-                  <a:latin typeface="Cambria" panose="02040503050406030204" pitchFamily="18" charset="0"/>
-                </a:endParaRPr>
               </a:p>
             </p:txBody>
           </p:sp>
@@ -4671,9 +4638,6 @@
                   </a:rPr>
                   <a:t>Individus dans l’espace fonctionnel</a:t>
                 </a:r>
-                <a:endParaRPr lang="fr-FR" sz="1200" b="1" dirty="0">
-                  <a:latin typeface="Cambria" panose="02040503050406030204" pitchFamily="18" charset="0"/>
-                </a:endParaRPr>
               </a:p>
             </p:txBody>
           </p:sp>
@@ -5301,9 +5265,6 @@
                 </a:rPr>
                 <a:t>Inventaire</a:t>
               </a:r>
-              <a:endParaRPr lang="fr-FR" sz="1100" dirty="0">
-                <a:latin typeface="Cambria" panose="02040503050406030204" pitchFamily="18" charset="0"/>
-              </a:endParaRPr>
             </a:p>
           </p:txBody>
         </p:sp>
@@ -5563,8 +5524,8 @@
               </p:nvSpPr>
               <p:spPr>
                 <a:xfrm>
-                  <a:off x="3434916" y="7057932"/>
-                  <a:ext cx="388255" cy="412339"/>
+                  <a:off x="3334745" y="7058390"/>
+                  <a:ext cx="1122606" cy="412339"/>
                 </a:xfrm>
                 <a:prstGeom prst="rect">
                   <a:avLst/>
@@ -5589,7 +5550,7 @@
                             <m:chr m:val="∑"/>
                             <m:supHide m:val="on"/>
                             <m:ctrlPr>
-                              <a:rPr lang="fr-FR" sz="1200" i="1">
+                              <a:rPr lang="fr-FR" sz="1200" i="1" smtClean="0">
                                 <a:solidFill>
                                   <a:schemeClr val="accent1"/>
                                 </a:solidFill>
@@ -5677,6 +5638,15 @@
                             </m:sSub>
                           </m:e>
                         </m:nary>
+                        <m:r>
+                          <a:rPr lang="fr-FR" sz="1200" b="0" i="1" smtClean="0">
+                            <a:solidFill>
+                              <a:schemeClr val="accent1"/>
+                            </a:solidFill>
+                            <a:latin typeface="Cambria Math" panose="02040503050406030204" pitchFamily="18" charset="0"/>
+                          </a:rPr>
+                          <m:t>−1</m:t>
+                        </m:r>
                       </m:oMath>
                     </m:oMathPara>
                   </a14:m>
@@ -5700,8 +5670,8 @@
               </p:nvSpPr>
               <p:spPr>
                 <a:xfrm>
-                  <a:off x="3434916" y="7057932"/>
-                  <a:ext cx="388255" cy="412339"/>
+                  <a:off x="3334745" y="7058390"/>
+                  <a:ext cx="1122606" cy="412339"/>
                 </a:xfrm>
                 <a:prstGeom prst="rect">
                   <a:avLst/>
@@ -5709,7 +5679,7 @@
                 <a:blipFill>
                   <a:blip r:embed="rId10"/>
                   <a:stretch>
-                    <a:fillRect l="-117808" t="-144156" r="-158904" b="-193506"/>
+                    <a:fillRect l="-34450" t="-144156" r="-17225" b="-193506"/>
                   </a:stretch>
                 </a:blipFill>
               </p:spPr>
@@ -5728,8 +5698,8 @@
             </p:sp>
           </mc:Fallback>
         </mc:AlternateContent>
-        <mc:AlternateContent xmlns:mc="http://schemas.openxmlformats.org/markup-compatibility/2006">
-          <mc:Choice xmlns:a14="http://schemas.microsoft.com/office/drawing/2010/main" Requires="a14">
+        <mc:AlternateContent xmlns:mc="http://schemas.openxmlformats.org/markup-compatibility/2006" xmlns:a14="http://schemas.microsoft.com/office/drawing/2010/main">
+          <mc:Choice Requires="a14">
             <p:sp>
               <p:nvSpPr>
                 <p:cNvPr id="242" name="ZoneTexte 241"/>
@@ -5794,7 +5764,7 @@
               </p:txBody>
             </p:sp>
           </mc:Choice>
-          <mc:Fallback>
+          <mc:Fallback xmlns="">
             <p:sp>
               <p:nvSpPr>
                 <p:cNvPr id="242" name="ZoneTexte 241"/>
